--- a/HRAPP - Putting all together - Final.pptx
+++ b/HRAPP - Putting all together - Final.pptx
@@ -6068,11 +6068,7 @@
           <a:p>
             <a:r>
               <a:rPr lang="en-US" sz="1400" dirty="0" smtClean="0"/>
-              <a:t>Ensure that </a:t>
-            </a:r>
-            <a:r>
-              <a:rPr lang="en-US" sz="1400" dirty="0" smtClean="0"/>
-              <a:t>you have the correct </a:t>
+              <a:t>Ensure that you have the correct </a:t>
             </a:r>
             <a:r>
               <a:rPr lang="en-US" sz="1400" dirty="0" err="1" smtClean="0"/>
@@ -6080,11 +6076,7 @@
             </a:r>
             <a:r>
               <a:rPr lang="en-US" sz="1400" dirty="0" smtClean="0"/>
-              <a:t> path </a:t>
-            </a:r>
-            <a:r>
-              <a:rPr lang="en-US" sz="1400" dirty="0" smtClean="0"/>
-              <a:t>to your backend application</a:t>
+              <a:t> path to your backend application</a:t>
             </a:r>
             <a:endParaRPr lang="en-US" sz="1400" dirty="0"/>
           </a:p>
@@ -6508,11 +6500,7 @@
           <a:p>
             <a:r>
               <a:rPr lang="en-US" dirty="0" smtClean="0"/>
-              <a:t>Ensure </a:t>
-            </a:r>
-            <a:r>
-              <a:rPr lang="en-US" dirty="0" smtClean="0"/>
-              <a:t>that you have started </a:t>
+              <a:t>Ensure that you have started </a:t>
             </a:r>
             <a:r>
               <a:rPr lang="en-US" dirty="0" err="1" smtClean="0"/>
@@ -6832,23 +6820,7 @@
           <a:p>
             <a:r>
               <a:rPr lang="en-US" dirty="0" smtClean="0"/>
-              <a:t>Ensure </a:t>
-            </a:r>
-            <a:r>
-              <a:rPr lang="en-US" dirty="0" smtClean="0"/>
-              <a:t>that you </a:t>
-            </a:r>
-            <a:r>
-              <a:rPr lang="en-US" dirty="0" smtClean="0"/>
-              <a:t>renamed </a:t>
-            </a:r>
-            <a:r>
-              <a:rPr lang="en-US" dirty="0" smtClean="0"/>
-              <a:t>the </a:t>
-            </a:r>
-            <a:r>
-              <a:rPr lang="en-US" dirty="0" smtClean="0"/>
-              <a:t>parameters name from </a:t>
+              <a:t>Ensure that you renamed the parameters name from </a:t>
             </a:r>
             <a:r>
               <a:rPr lang="en-US" altLang="en-US" dirty="0" smtClean="0">
@@ -19350,6 +19322,15 @@
 </file>
 
 <file path=customXml/item2.xml><?xml version="1.0" encoding="utf-8"?>
+<?mso-contentType ?>
+<FormTemplates xmlns="http://schemas.microsoft.com/sharepoint/v3/contenttype/forms">
+  <Display>DocumentLibraryForm</Display>
+  <Edit>DocumentLibraryForm</Edit>
+  <New>DocumentLibraryForm</New>
+</FormTemplates>
+</file>
+
+<file path=customXml/item3.xml><?xml version="1.0" encoding="utf-8"?>
 <ct:contentTypeSchema xmlns:ct="http://schemas.microsoft.com/office/2006/metadata/contentType" xmlns:ma="http://schemas.microsoft.com/office/2006/metadata/properties/metaAttributes" ct:_="" ma:_="" ma:contentTypeName="Document" ma:contentTypeID="0x0101002EAB9993CCBF73478E12853278F3FB5C" ma:contentTypeVersion="1" ma:contentTypeDescription="Create a new document." ma:contentTypeScope="" ma:versionID="4db10d317033d09fed4d0297d17c663a">
   <xsd:schema xmlns:xsd="http://www.w3.org/2001/XMLSchema" xmlns:xs="http://www.w3.org/2001/XMLSchema" xmlns:p="http://schemas.microsoft.com/office/2006/metadata/properties" xmlns:ns1="http://schemas.microsoft.com/sharepoint/v3" targetNamespace="http://schemas.microsoft.com/office/2006/metadata/properties" ma:root="true" ma:fieldsID="48c5b5cd9b8d25ff6dd15848836f4270" ns1:_="">
     <xsd:import namespace="http://schemas.microsoft.com/sharepoint/v3"/>
@@ -19481,15 +19462,6 @@
 </ct:contentTypeSchema>
 </file>
 
-<file path=customXml/item3.xml><?xml version="1.0" encoding="utf-8"?>
-<?mso-contentType ?>
-<FormTemplates xmlns="http://schemas.microsoft.com/sharepoint/v3/contenttype/forms">
-  <Display>DocumentLibraryForm</Display>
-  <Edit>DocumentLibraryForm</Edit>
-  <New>DocumentLibraryForm</New>
-</FormTemplates>
-</file>
-
 <file path=customXml/itemProps1.xml><?xml version="1.0" encoding="utf-8"?>
 <ds:datastoreItem xmlns:ds="http://schemas.openxmlformats.org/officeDocument/2006/customXml" ds:itemID="{C1424CC9-255C-4972-B5F2-6F19B32F3DEA}">
   <ds:schemaRefs>
@@ -19507,6 +19479,14 @@
 </file>
 
 <file path=customXml/itemProps2.xml><?xml version="1.0" encoding="utf-8"?>
+<ds:datastoreItem xmlns:ds="http://schemas.openxmlformats.org/officeDocument/2006/customXml" ds:itemID="{B3E8851E-A513-4DE1-BFEA-60B7444A3522}">
+  <ds:schemaRefs>
+    <ds:schemaRef ds:uri="http://schemas.microsoft.com/sharepoint/v3/contenttype/forms"/>
+  </ds:schemaRefs>
+</ds:datastoreItem>
+</file>
+
+<file path=customXml/itemProps3.xml><?xml version="1.0" encoding="utf-8"?>
 <ds:datastoreItem xmlns:ds="http://schemas.openxmlformats.org/officeDocument/2006/customXml" ds:itemID="{E29AC310-E4D3-4181-8DC8-8BCBD631C9E0}">
   <ds:schemaRefs>
     <ds:schemaRef ds:uri="http://schemas.microsoft.com/office/2006/metadata/contentType"/>
@@ -19522,12 +19502,4 @@
     <ds:schemaRef ds:uri="http://schemas.microsoft.com/internal/obd"/>
   </ds:schemaRefs>
 </ds:datastoreItem>
-</file>
-
-<file path=customXml/itemProps3.xml><?xml version="1.0" encoding="utf-8"?>
-<ds:datastoreItem xmlns:ds="http://schemas.openxmlformats.org/officeDocument/2006/customXml" ds:itemID="{B3E8851E-A513-4DE1-BFEA-60B7444A3522}">
-  <ds:schemaRefs>
-    <ds:schemaRef ds:uri="http://schemas.microsoft.com/sharepoint/v3/contenttype/forms"/>
-  </ds:schemaRefs>
-</ds:datastoreItem>
 </file>